--- a/project/Team23-slides.pptx
+++ b/project/Team23-slides.pptx
@@ -840,10 +840,6 @@
               </a:spcAft>
               <a:buNone/>
             </a:pPr>
-            <a:r>
-              <a:rPr lang="en-GB" dirty="0"/>
-              <a:t>Our group have conducted a survey on the development of self-driving databases.</a:t>
-            </a:r>
             <a:endParaRPr dirty="0"/>
           </a:p>
         </p:txBody>
@@ -1509,7 +1505,7 @@
         </p:nvSpPr>
         <p:spPr>
           <a:xfrm>
-            <a:off x="381300" y="685800"/>
+            <a:off x="381000" y="685800"/>
             <a:ext cx="6096000" cy="3429000"/>
           </a:xfrm>
           <a:custGeom>
@@ -1577,205 +1573,7 @@
               <a:buFont typeface="Arial"/>
               <a:buNone/>
             </a:pPr>
-            <a:r>
-              <a:rPr lang="en-GB" sz="900">
-                <a:solidFill>
-                  <a:srgbClr val="1A1A1A"/>
-                </a:solidFill>
-                <a:latin typeface="Raleway"/>
-                <a:ea typeface="Raleway"/>
-                <a:cs typeface="Raleway"/>
-                <a:sym typeface="Raleway"/>
-              </a:rPr>
-              <a:t>For behaviour modelling, we will introduce the ModelBot2, which is applied in the NoisePage architecture.</a:t>
-            </a:r>
-            <a:endParaRPr sz="900">
-              <a:solidFill>
-                <a:srgbClr val="1A1A1A"/>
-              </a:solidFill>
-              <a:latin typeface="Raleway"/>
-              <a:ea typeface="Raleway"/>
-              <a:cs typeface="Raleway"/>
-              <a:sym typeface="Raleway"/>
-            </a:endParaRPr>
-          </a:p>
-          <a:p>
-            <a:pPr marL="0" lvl="0" indent="0" algn="l" rtl="0">
-              <a:spcBef>
-                <a:spcPts val="0"/>
-              </a:spcBef>
-              <a:spcAft>
-                <a:spcPts val="0"/>
-              </a:spcAft>
-              <a:buClr>
-                <a:schemeClr val="dk1"/>
-              </a:buClr>
-              <a:buSzPts val="1100"/>
-              <a:buFont typeface="Arial"/>
-              <a:buNone/>
-            </a:pPr>
-            <a:endParaRPr sz="900">
-              <a:solidFill>
-                <a:srgbClr val="1A1A1A"/>
-              </a:solidFill>
-              <a:latin typeface="Raleway"/>
-              <a:ea typeface="Raleway"/>
-              <a:cs typeface="Raleway"/>
-              <a:sym typeface="Raleway"/>
-            </a:endParaRPr>
-          </a:p>
-          <a:p>
-            <a:pPr marL="0" lvl="0" indent="0" algn="l" rtl="0">
-              <a:spcBef>
-                <a:spcPts val="0"/>
-              </a:spcBef>
-              <a:spcAft>
-                <a:spcPts val="0"/>
-              </a:spcAft>
-              <a:buClr>
-                <a:schemeClr val="dk1"/>
-              </a:buClr>
-              <a:buSzPts val="1100"/>
-              <a:buFont typeface="Arial"/>
-              <a:buNone/>
-            </a:pPr>
-            <a:r>
-              <a:rPr lang="en-GB" sz="900">
-                <a:solidFill>
-                  <a:srgbClr val="1A1A1A"/>
-                </a:solidFill>
-                <a:latin typeface="Raleway"/>
-                <a:ea typeface="Raleway"/>
-                <a:cs typeface="Raleway"/>
-                <a:sym typeface="Raleway"/>
-              </a:rPr>
-              <a:t>Its design has two primary considerations: (1) MB2 generates models offline in a workload and dataset-independent manner to make the process less time-consuming and costly, (2) MB2's models are debuggable, explainable, and adaptable, reducing development complexity and providing insight into DBMS action choices. MB2 decomposes the DBMS into independent operating units (OUs), each corresponding to a specific DBMS task. It pairs each OU with an OU-runner, which exercises the DBMS component related to the OU. These runners help to generate training data by exploring the parameter space of the component.</a:t>
-            </a:r>
-            <a:endParaRPr sz="900">
-              <a:solidFill>
-                <a:srgbClr val="1A1A1A"/>
-              </a:solidFill>
-              <a:latin typeface="Raleway"/>
-              <a:ea typeface="Raleway"/>
-              <a:cs typeface="Raleway"/>
-              <a:sym typeface="Raleway"/>
-            </a:endParaRPr>
-          </a:p>
-          <a:p>
-            <a:pPr marL="0" lvl="0" indent="0" algn="l" rtl="0">
-              <a:spcBef>
-                <a:spcPts val="0"/>
-              </a:spcBef>
-              <a:spcAft>
-                <a:spcPts val="0"/>
-              </a:spcAft>
-              <a:buClr>
-                <a:schemeClr val="dk1"/>
-              </a:buClr>
-              <a:buSzPts val="1100"/>
-              <a:buFont typeface="Arial"/>
-              <a:buNone/>
-            </a:pPr>
-            <a:endParaRPr sz="900">
-              <a:solidFill>
-                <a:srgbClr val="1A1A1A"/>
-              </a:solidFill>
-              <a:latin typeface="Raleway"/>
-              <a:ea typeface="Raleway"/>
-              <a:cs typeface="Raleway"/>
-              <a:sym typeface="Raleway"/>
-            </a:endParaRPr>
-          </a:p>
-          <a:p>
-            <a:pPr marL="0" lvl="0" indent="0" algn="l" rtl="0">
-              <a:spcBef>
-                <a:spcPts val="0"/>
-              </a:spcBef>
-              <a:spcAft>
-                <a:spcPts val="0"/>
-              </a:spcAft>
-              <a:buClr>
-                <a:schemeClr val="dk1"/>
-              </a:buClr>
-              <a:buSzPts val="1100"/>
-              <a:buFont typeface="Arial"/>
-              <a:buNone/>
-            </a:pPr>
-            <a:r>
-              <a:rPr lang="en-GB" sz="900">
-                <a:solidFill>
-                  <a:srgbClr val="1A1A1A"/>
-                </a:solidFill>
-                <a:latin typeface="Raleway"/>
-                <a:ea typeface="Raleway"/>
-                <a:cs typeface="Raleway"/>
-                <a:sym typeface="Raleway"/>
-              </a:rPr>
-              <a:t>To simulate concurrent environments and orchestrate data collection, MB2 uses concurrent runners executing end-to-end workloads. It uses training data to build interference models to estimate impacts of resource competition, cache locality, and internal contention among concurrent OUs.</a:t>
-            </a:r>
-            <a:endParaRPr sz="900">
-              <a:solidFill>
-                <a:srgbClr val="1A1A1A"/>
-              </a:solidFill>
-              <a:latin typeface="Raleway"/>
-              <a:ea typeface="Raleway"/>
-              <a:cs typeface="Raleway"/>
-              <a:sym typeface="Raleway"/>
-            </a:endParaRPr>
-          </a:p>
-          <a:p>
-            <a:pPr marL="0" lvl="0" indent="0" algn="l" rtl="0">
-              <a:spcBef>
-                <a:spcPts val="0"/>
-              </a:spcBef>
-              <a:spcAft>
-                <a:spcPts val="0"/>
-              </a:spcAft>
-              <a:buClr>
-                <a:schemeClr val="dk1"/>
-              </a:buClr>
-              <a:buSzPts val="1100"/>
-              <a:buFont typeface="Arial"/>
-              <a:buNone/>
-            </a:pPr>
-            <a:endParaRPr sz="900">
-              <a:solidFill>
-                <a:srgbClr val="1A1A1A"/>
-              </a:solidFill>
-              <a:latin typeface="Raleway"/>
-              <a:ea typeface="Raleway"/>
-              <a:cs typeface="Raleway"/>
-              <a:sym typeface="Raleway"/>
-            </a:endParaRPr>
-          </a:p>
-          <a:p>
-            <a:pPr marL="0" lvl="0" indent="0" algn="l" rtl="0">
-              <a:spcBef>
-                <a:spcPts val="0"/>
-              </a:spcBef>
-              <a:spcAft>
-                <a:spcPts val="0"/>
-              </a:spcAft>
-              <a:buClr>
-                <a:schemeClr val="dk1"/>
-              </a:buClr>
-              <a:buSzPts val="1100"/>
-              <a:buFont typeface="Arial"/>
-              <a:buNone/>
-            </a:pPr>
-            <a:r>
-              <a:rPr lang="en-GB" sz="900">
-                <a:solidFill>
-                  <a:srgbClr val="1A1A1A"/>
-                </a:solidFill>
-                <a:latin typeface="Raleway"/>
-                <a:ea typeface="Raleway"/>
-                <a:cs typeface="Raleway"/>
-                <a:sym typeface="Raleway"/>
-              </a:rPr>
-              <a:t>Given forecasted workload and potential action inputs, MB2 uses the models to predict the behavior of each OU, adjust for the impact of concurrent OUs, and provide actionable information to guide the DBMS's planning system. These OU-models, compared to a single monolithic model for the entire DBMS, have smaller input dimensions, require less training time, and provide performance insight to each DBMS component.</a:t>
-            </a:r>
-            <a:endParaRPr sz="900">
+            <a:endParaRPr sz="900" dirty="0">
               <a:solidFill>
                 <a:srgbClr val="1A1A1A"/>
               </a:solidFill>
@@ -2151,66 +1949,6 @@
               </a:spcAft>
               <a:buNone/>
             </a:pPr>
-            <a:r>
-              <a:rPr lang="en-US" dirty="0"/>
-              <a:t>There are also many other approaches.</a:t>
-            </a:r>
-            <a:endParaRPr dirty="0"/>
-          </a:p>
-          <a:p>
-            <a:pPr marL="0" lvl="0" indent="0" algn="l" rtl="0">
-              <a:spcBef>
-                <a:spcPts val="0"/>
-              </a:spcBef>
-              <a:spcAft>
-                <a:spcPts val="0"/>
-              </a:spcAft>
-              <a:buNone/>
-            </a:pPr>
-            <a:endParaRPr dirty="0"/>
-          </a:p>
-          <a:p>
-            <a:pPr marL="0" lvl="0" indent="0" algn="l" rtl="0">
-              <a:spcBef>
-                <a:spcPts val="0"/>
-              </a:spcBef>
-              <a:spcAft>
-                <a:spcPts val="0"/>
-              </a:spcAft>
-              <a:buNone/>
-            </a:pPr>
-            <a:r>
-              <a:rPr lang="en-GB" dirty="0"/>
-              <a:t>For example, Wang et al. proposed a machine-learning algorithm in selecting storage structure of database system, consisting of three stages: Pruning, generating candidates and evaluation. The pruning process will collect performance data based on generated workload and then the model will generate candidates by traversing search space and enumerating solutions based on current workload, followed by evaluating and applying the optimal storage plan through comparisons by costs.</a:t>
-            </a:r>
-            <a:endParaRPr dirty="0"/>
-          </a:p>
-          <a:p>
-            <a:pPr marL="0" lvl="0" indent="0" algn="l" rtl="0">
-              <a:spcBef>
-                <a:spcPts val="0"/>
-              </a:spcBef>
-              <a:spcAft>
-                <a:spcPts val="0"/>
-              </a:spcAft>
-              <a:buNone/>
-            </a:pPr>
-            <a:endParaRPr dirty="0"/>
-          </a:p>
-          <a:p>
-            <a:pPr marL="0" lvl="0" indent="0" algn="l" rtl="0">
-              <a:spcBef>
-                <a:spcPts val="0"/>
-              </a:spcBef>
-              <a:spcAft>
-                <a:spcPts val="0"/>
-              </a:spcAft>
-              <a:buNone/>
-            </a:pPr>
-            <a:r>
-              <a:rPr lang="en-GB" dirty="0"/>
-              <a:t>Also, Explain-Tun is a new and comprehensible AI-model selecting physical structure (PS) of the database system. This model is based on Decision-Tree (DT) and Random-Forest (RF).  Providing explanations of tuning decisions can help human experts to optimize and refine the machine learning models</a:t>
-            </a:r>
             <a:endParaRPr dirty="0"/>
           </a:p>
         </p:txBody>
@@ -2356,7 +2094,7 @@
         </p:nvSpPr>
         <p:spPr>
           <a:xfrm>
-            <a:off x="381300" y="685800"/>
+            <a:off x="381000" y="685800"/>
             <a:ext cx="6096000" cy="3429000"/>
           </a:xfrm>
           <a:custGeom>
@@ -2419,11 +2157,7 @@
               </a:spcAft>
               <a:buNone/>
             </a:pPr>
-            <a:r>
-              <a:rPr lang="en-GB"/>
-              <a:t>Here is the outline of our today’s presentation.</a:t>
-            </a:r>
-            <a:endParaRPr/>
+            <a:endParaRPr dirty="0"/>
           </a:p>
         </p:txBody>
       </p:sp>
@@ -3088,7 +2822,7 @@
         </p:nvSpPr>
         <p:spPr>
           <a:xfrm>
-            <a:off x="381300" y="685800"/>
+            <a:off x="381000" y="685800"/>
             <a:ext cx="6096000" cy="3429000"/>
           </a:xfrm>
           <a:custGeom>
@@ -3151,82 +2885,6 @@
               </a:spcAft>
               <a:buNone/>
             </a:pPr>
-            <a:r>
-              <a:rPr lang="en-GB" dirty="0"/>
-              <a:t>The motivation of developing self-driving databases is due to the increasing complexity of modern DBMSs. Database administrators have to spend huge amount of time on tuning the system for optimal performance. Meanwhile, The advancement of storage and computational hardware </a:t>
-            </a:r>
-            <a:r>
-              <a:rPr lang="en-GB" dirty="0" err="1"/>
-              <a:t>nowaday</a:t>
-            </a:r>
-            <a:r>
-              <a:rPr lang="en-GB" dirty="0"/>
-              <a:t>, the achievements in the area of machine learning, together with the widespread of cloud technologies, have paved the way for developing fully autonomous self-driving databases.</a:t>
-            </a:r>
-            <a:endParaRPr dirty="0"/>
-          </a:p>
-          <a:p>
-            <a:pPr marL="0" lvl="0" indent="0" algn="l" rtl="0">
-              <a:spcBef>
-                <a:spcPts val="0"/>
-              </a:spcBef>
-              <a:spcAft>
-                <a:spcPts val="0"/>
-              </a:spcAft>
-              <a:buNone/>
-            </a:pPr>
-            <a:endParaRPr dirty="0"/>
-          </a:p>
-          <a:p>
-            <a:pPr marL="0" lvl="0" indent="0" algn="l" rtl="0">
-              <a:spcBef>
-                <a:spcPts val="0"/>
-              </a:spcBef>
-              <a:spcAft>
-                <a:spcPts val="0"/>
-              </a:spcAft>
-              <a:buNone/>
-            </a:pPr>
-            <a:r>
-              <a:rPr lang="en-GB" dirty="0"/>
-              <a:t>Similar to self-driving vehicles, DBMSs can be classified into 5 levels as the table shows.</a:t>
-            </a:r>
-            <a:endParaRPr dirty="0"/>
-          </a:p>
-          <a:p>
-            <a:pPr marL="0" lvl="0" indent="0" algn="l" rtl="0">
-              <a:spcBef>
-                <a:spcPts val="0"/>
-              </a:spcBef>
-              <a:spcAft>
-                <a:spcPts val="0"/>
-              </a:spcAft>
-              <a:buNone/>
-            </a:pPr>
-            <a:endParaRPr dirty="0"/>
-          </a:p>
-          <a:p>
-            <a:pPr marL="0" lvl="0" indent="0" algn="l" rtl="0">
-              <a:spcBef>
-                <a:spcPts val="0"/>
-              </a:spcBef>
-              <a:spcAft>
-                <a:spcPts val="0"/>
-              </a:spcAft>
-              <a:buNone/>
-            </a:pPr>
-            <a:r>
-              <a:rPr lang="en-GB" dirty="0"/>
-              <a:t>Next, </a:t>
-            </a:r>
-            <a:r>
-              <a:rPr lang="en-GB" dirty="0" err="1"/>
-              <a:t>Zhiquan</a:t>
-            </a:r>
-            <a:r>
-              <a:rPr lang="en-GB" dirty="0"/>
-              <a:t> will first talk about some architectures of self-driving databases.</a:t>
-            </a:r>
             <a:endParaRPr dirty="0"/>
           </a:p>
         </p:txBody>
@@ -3268,7 +2926,7 @@
         </p:nvSpPr>
         <p:spPr>
           <a:xfrm>
-            <a:off x="381300" y="685800"/>
+            <a:off x="381000" y="685800"/>
             <a:ext cx="6096000" cy="3429000"/>
           </a:xfrm>
           <a:custGeom>
@@ -3331,11 +2989,7 @@
               </a:spcAft>
               <a:buNone/>
             </a:pPr>
-            <a:r>
-              <a:rPr lang="en-GB"/>
-              <a:t>We have looked through three well-known architecture in self-driving database Peloton, Generalized Self-Driving Framework and NoisePage</a:t>
-            </a:r>
-            <a:endParaRPr/>
+            <a:endParaRPr dirty="0"/>
           </a:p>
         </p:txBody>
       </p:sp>
@@ -3376,7 +3030,7 @@
         </p:nvSpPr>
         <p:spPr>
           <a:xfrm>
-            <a:off x="381300" y="685800"/>
+            <a:off x="381000" y="685800"/>
             <a:ext cx="6096000" cy="3429000"/>
           </a:xfrm>
           <a:custGeom>
@@ -3439,15 +3093,7 @@
               </a:spcAft>
               <a:buNone/>
             </a:pPr>
-            <a:r>
-              <a:rPr lang="en-GB">
-                <a:solidFill>
-                  <a:schemeClr val="dk1"/>
-                </a:solidFill>
-              </a:rPr>
-              <a:t>Peloton is one of the first architecture in this area. The goal is to automate traditionally labor-intensive and expertise-required task including tuning, physical design, and resource provisioning, leveraging techniques from machine learning and control theory</a:t>
-            </a:r>
-            <a:endParaRPr>
+            <a:endParaRPr dirty="0">
               <a:solidFill>
                 <a:schemeClr val="dk1"/>
               </a:solidFill>
@@ -3463,7 +3109,7 @@
               </a:spcAft>
               <a:buNone/>
             </a:pPr>
-            <a:endParaRPr>
+            <a:endParaRPr dirty="0">
               <a:solidFill>
                 <a:schemeClr val="dk1"/>
               </a:solidFill>
@@ -3479,191 +3125,7 @@
               </a:spcAft>
               <a:buNone/>
             </a:pPr>
-            <a:r>
-              <a:rPr lang="en-GB">
-                <a:solidFill>
-                  <a:schemeClr val="dk1"/>
-                </a:solidFill>
-              </a:rPr>
-              <a:t>The Peloton architecture includes 3 main parts, Workload Classification, Workload Forecasting and Action Planning &amp; Execution</a:t>
-            </a:r>
-            <a:endParaRPr>
-              <a:solidFill>
-                <a:schemeClr val="dk1"/>
-              </a:solidFill>
-            </a:endParaRPr>
-          </a:p>
-          <a:p>
-            <a:pPr marL="0" lvl="0" indent="0" algn="l" rtl="0">
-              <a:spcBef>
-                <a:spcPts val="0"/>
-              </a:spcBef>
-              <a:spcAft>
-                <a:spcPts val="0"/>
-              </a:spcAft>
-              <a:buNone/>
-            </a:pPr>
-            <a:endParaRPr>
-              <a:solidFill>
-                <a:schemeClr val="dk1"/>
-              </a:solidFill>
-            </a:endParaRPr>
-          </a:p>
-          <a:p>
-            <a:pPr marL="0" lvl="0" indent="0" algn="l" rtl="0">
-              <a:spcBef>
-                <a:spcPts val="0"/>
-              </a:spcBef>
-              <a:spcAft>
-                <a:spcPts val="0"/>
-              </a:spcAft>
-              <a:buNone/>
-            </a:pPr>
-            <a:r>
-              <a:rPr lang="en-GB">
-                <a:solidFill>
-                  <a:schemeClr val="dk1"/>
-                </a:solidFill>
-              </a:rPr>
-              <a:t>Workload Classification involves classifying incoming queries into workload types by machine learning algorithm. Then the workload history is used to forecast future query behaviors. Finally, a proper action is executed based on the prior classification and forecasting.</a:t>
-            </a:r>
-            <a:endParaRPr>
-              <a:solidFill>
-                <a:schemeClr val="dk1"/>
-              </a:solidFill>
-            </a:endParaRPr>
-          </a:p>
-          <a:p>
-            <a:pPr marL="0" lvl="0" indent="0" algn="l" rtl="0">
-              <a:spcBef>
-                <a:spcPts val="0"/>
-              </a:spcBef>
-              <a:spcAft>
-                <a:spcPts val="0"/>
-              </a:spcAft>
-              <a:buNone/>
-            </a:pPr>
-            <a:endParaRPr>
-              <a:solidFill>
-                <a:schemeClr val="dk1"/>
-              </a:solidFill>
-            </a:endParaRPr>
-          </a:p>
-          <a:p>
-            <a:pPr marL="0" lvl="0" indent="0" algn="l" rtl="0">
-              <a:spcBef>
-                <a:spcPts val="0"/>
-              </a:spcBef>
-              <a:spcAft>
-                <a:spcPts val="0"/>
-              </a:spcAft>
-              <a:buNone/>
-            </a:pPr>
-            <a:r>
-              <a:rPr lang="en-GB">
-                <a:solidFill>
-                  <a:schemeClr val="dk1"/>
-                </a:solidFill>
-              </a:rPr>
-              <a:t>みかんせい</a:t>
-            </a:r>
-            <a:endParaRPr>
-              <a:solidFill>
-                <a:schemeClr val="dk1"/>
-              </a:solidFill>
-            </a:endParaRPr>
-          </a:p>
-          <a:p>
-            <a:pPr marL="0" lvl="0" indent="0" algn="l" rtl="0">
-              <a:spcBef>
-                <a:spcPts val="0"/>
-              </a:spcBef>
-              <a:spcAft>
-                <a:spcPts val="0"/>
-              </a:spcAft>
-              <a:buNone/>
-            </a:pPr>
-            <a:r>
-              <a:rPr lang="en-GB">
-                <a:solidFill>
-                  <a:schemeClr val="dk1"/>
-                </a:solidFill>
-              </a:rPr>
-              <a:t>But it has three challenges</a:t>
-            </a:r>
-            <a:endParaRPr>
-              <a:solidFill>
-                <a:schemeClr val="dk1"/>
-              </a:solidFill>
-            </a:endParaRPr>
-          </a:p>
-          <a:p>
-            <a:pPr marL="0" lvl="0" indent="0" algn="l" rtl="0">
-              <a:spcBef>
-                <a:spcPts val="0"/>
-              </a:spcBef>
-              <a:spcAft>
-                <a:spcPts val="0"/>
-              </a:spcAft>
-              <a:buNone/>
-            </a:pPr>
-            <a:r>
-              <a:rPr lang="en-GB">
-                <a:solidFill>
-                  <a:schemeClr val="dk1"/>
-                </a:solidFill>
-              </a:rPr>
-              <a:t>[Challenges :1.human distrust and explainability, 2.hints from the DBA on whether the system should focus more on optimizing OLTP or OLAP 3. override mechanism for DBAs]</a:t>
-            </a:r>
-            <a:endParaRPr>
-              <a:solidFill>
-                <a:schemeClr val="dk1"/>
-              </a:solidFill>
-            </a:endParaRPr>
-          </a:p>
-          <a:p>
-            <a:pPr marL="0" lvl="0" indent="0" algn="l" rtl="0">
-              <a:spcBef>
-                <a:spcPts val="0"/>
-              </a:spcBef>
-              <a:spcAft>
-                <a:spcPts val="0"/>
-              </a:spcAft>
-              <a:buNone/>
-            </a:pPr>
-            <a:endParaRPr>
-              <a:solidFill>
-                <a:schemeClr val="dk1"/>
-              </a:solidFill>
-            </a:endParaRPr>
-          </a:p>
-          <a:p>
-            <a:pPr marL="0" lvl="0" indent="0" algn="l" rtl="0">
-              <a:spcBef>
-                <a:spcPts val="0"/>
-              </a:spcBef>
-              <a:spcAft>
-                <a:spcPts val="0"/>
-              </a:spcAft>
-              <a:buNone/>
-            </a:pPr>
-            <a:endParaRPr>
-              <a:solidFill>
-                <a:schemeClr val="dk1"/>
-              </a:solidFill>
-            </a:endParaRPr>
-          </a:p>
-          <a:p>
-            <a:pPr marL="0" lvl="0" indent="0" algn="l" rtl="0">
-              <a:spcBef>
-                <a:spcPts val="0"/>
-              </a:spcBef>
-              <a:spcAft>
-                <a:spcPts val="0"/>
-              </a:spcAft>
-              <a:buNone/>
-            </a:pPr>
-            <a:endParaRPr sz="850">
+            <a:endParaRPr sz="850" dirty="0">
               <a:solidFill>
                 <a:schemeClr val="dk1"/>
               </a:solidFill>
@@ -3711,7 +3173,7 @@
         </p:nvSpPr>
         <p:spPr>
           <a:xfrm>
-            <a:off x="381300" y="685800"/>
+            <a:off x="381000" y="685800"/>
             <a:ext cx="6096000" cy="3429000"/>
           </a:xfrm>
           <a:custGeom>
@@ -3767,209 +3229,14 @@
           <a:p>
             <a:pPr marL="0" lvl="0" indent="0" algn="l" rtl="0">
               <a:spcBef>
-                <a:spcPts val="0"/>
-              </a:spcBef>
-              <a:spcAft>
-                <a:spcPts val="0"/>
-              </a:spcAft>
-              <a:buNone/>
-            </a:pPr>
-            <a:r>
-              <a:rPr lang="en-GB" sz="900">
-                <a:solidFill>
-                  <a:srgbClr val="1A1A1A"/>
-                </a:solidFill>
-                <a:latin typeface="Times New Roman"/>
-                <a:ea typeface="Times New Roman"/>
-                <a:cs typeface="Times New Roman"/>
-                <a:sym typeface="Times New Roman"/>
-              </a:rPr>
-              <a:t>Generalized Self-Driving Framework is </a:t>
-            </a:r>
-            <a:r>
-              <a:rPr lang="en-GB" sz="900">
-                <a:latin typeface="Times New Roman"/>
-                <a:ea typeface="Times New Roman"/>
-                <a:cs typeface="Times New Roman"/>
-                <a:sym typeface="Times New Roman"/>
-              </a:rPr>
-              <a:t>proposed by Jan Kossmann. This framework is d</a:t>
-            </a:r>
-            <a:r>
-              <a:rPr lang="en-GB" sz="900">
-                <a:solidFill>
-                  <a:schemeClr val="dk1"/>
-                </a:solidFill>
-                <a:highlight>
-                  <a:srgbClr val="FFFFFF"/>
-                </a:highlight>
-                <a:latin typeface="Times New Roman"/>
-                <a:ea typeface="Times New Roman"/>
-                <a:cs typeface="Times New Roman"/>
-                <a:sym typeface="Times New Roman"/>
-              </a:rPr>
-              <a:t>edicated to create more efficient and adaptable self driving database systems</a:t>
-            </a:r>
-            <a:r>
-              <a:rPr lang="en-GB" sz="900">
-                <a:latin typeface="Times New Roman"/>
-                <a:ea typeface="Times New Roman"/>
-                <a:cs typeface="Times New Roman"/>
-                <a:sym typeface="Times New Roman"/>
-              </a:rPr>
-              <a:t> </a:t>
-            </a:r>
-            <a:endParaRPr sz="900">
-              <a:latin typeface="Times New Roman"/>
-              <a:ea typeface="Times New Roman"/>
-              <a:cs typeface="Times New Roman"/>
-              <a:sym typeface="Times New Roman"/>
-            </a:endParaRPr>
-          </a:p>
-          <a:p>
-            <a:pPr marL="0" lvl="0" indent="0" algn="l" rtl="0">
-              <a:spcBef>
                 <a:spcPts val="800"/>
               </a:spcBef>
               <a:spcAft>
                 <a:spcPts val="0"/>
               </a:spcAft>
-              <a:buClr>
-                <a:schemeClr val="dk1"/>
-              </a:buClr>
-              <a:buSzPts val="1100"/>
-              <a:buFont typeface="Arial"/>
-              <a:buNone/>
-            </a:pPr>
-            <a:r>
-              <a:rPr lang="en-GB" sz="900">
-                <a:solidFill>
-                  <a:srgbClr val="5D6879"/>
-                </a:solidFill>
-                <a:highlight>
-                  <a:srgbClr val="FFFFFF"/>
-                </a:highlight>
-                <a:latin typeface="Times New Roman"/>
-                <a:ea typeface="Times New Roman"/>
-                <a:cs typeface="Times New Roman"/>
-                <a:sym typeface="Times New Roman"/>
-              </a:rPr>
-              <a:t>It starts with feeding query plans into the Query Plan Cache from the Query Optimizer. Subsequently, the Workload Analyzer generates workload forecasts </a:t>
-            </a:r>
-            <a:r>
-              <a:rPr lang="en-GB" sz="900">
-                <a:solidFill>
-                  <a:srgbClr val="5D6879"/>
-                </a:solidFill>
-                <a:highlight>
-                  <a:schemeClr val="lt1"/>
-                </a:highlight>
-                <a:latin typeface="Times New Roman"/>
-                <a:ea typeface="Times New Roman"/>
-                <a:cs typeface="Times New Roman"/>
-                <a:sym typeface="Times New Roman"/>
-              </a:rPr>
-              <a:t>utilizing data derived from the Query Plan Cache</a:t>
-            </a:r>
-            <a:r>
-              <a:rPr lang="en-GB" sz="900">
-                <a:solidFill>
-                  <a:srgbClr val="5D6879"/>
-                </a:solidFill>
-                <a:highlight>
-                  <a:srgbClr val="FFFFFF"/>
-                </a:highlight>
-                <a:latin typeface="Times New Roman"/>
-                <a:ea typeface="Times New Roman"/>
-                <a:cs typeface="Times New Roman"/>
-                <a:sym typeface="Times New Roman"/>
-              </a:rPr>
-              <a:t>. The forecast results is then used by </a:t>
-            </a:r>
-            <a:r>
-              <a:rPr lang="en-GB" sz="900">
-                <a:solidFill>
-                  <a:srgbClr val="5D6879"/>
-                </a:solidFill>
-                <a:highlight>
-                  <a:schemeClr val="lt1"/>
-                </a:highlight>
-                <a:latin typeface="Times New Roman"/>
-                <a:ea typeface="Times New Roman"/>
-                <a:cs typeface="Times New Roman"/>
-                <a:sym typeface="Times New Roman"/>
-              </a:rPr>
-              <a:t>the Organiser and the</a:t>
-            </a:r>
-            <a:r>
-              <a:rPr lang="en-GB" sz="900">
-                <a:solidFill>
-                  <a:srgbClr val="5D6879"/>
-                </a:solidFill>
-                <a:highlight>
-                  <a:srgbClr val="FFFFFF"/>
-                </a:highlight>
-                <a:latin typeface="Times New Roman"/>
-                <a:ea typeface="Times New Roman"/>
-                <a:cs typeface="Times New Roman"/>
-                <a:sym typeface="Times New Roman"/>
-              </a:rPr>
-              <a:t> Tuner. Organiser is for </a:t>
-            </a:r>
-            <a:r>
-              <a:rPr lang="en-GB" sz="900">
-                <a:solidFill>
-                  <a:srgbClr val="5D6879"/>
-                </a:solidFill>
-                <a:highlight>
-                  <a:schemeClr val="lt1"/>
-                </a:highlight>
-                <a:latin typeface="Times New Roman"/>
-                <a:ea typeface="Times New Roman"/>
-                <a:cs typeface="Times New Roman"/>
-                <a:sym typeface="Times New Roman"/>
-              </a:rPr>
-              <a:t>controlling and overseeing the tuning process</a:t>
-            </a:r>
-            <a:r>
-              <a:rPr lang="en-GB" sz="900">
-                <a:solidFill>
-                  <a:srgbClr val="5D6879"/>
-                </a:solidFill>
-                <a:highlight>
-                  <a:srgbClr val="FFFFFF"/>
-                </a:highlight>
-                <a:latin typeface="Times New Roman"/>
-                <a:ea typeface="Times New Roman"/>
-                <a:cs typeface="Times New Roman"/>
-                <a:sym typeface="Times New Roman"/>
-              </a:rPr>
-              <a:t>. Tuner has three process, the Elevator evaluates all potential actions and the selector selects the most beneficial action according to the evaluation, then an executor will execute the selected action.</a:t>
-            </a:r>
-            <a:endParaRPr sz="900">
-              <a:solidFill>
-                <a:srgbClr val="5D6879"/>
-              </a:solidFill>
-              <a:highlight>
-                <a:srgbClr val="FFFFFF"/>
-              </a:highlight>
-              <a:latin typeface="Times New Roman"/>
-              <a:ea typeface="Times New Roman"/>
-              <a:cs typeface="Times New Roman"/>
-              <a:sym typeface="Times New Roman"/>
-            </a:endParaRPr>
-          </a:p>
-          <a:p>
-            <a:pPr marL="0" lvl="0" indent="0" algn="l" rtl="0">
-              <a:spcBef>
-                <a:spcPts val="800"/>
-              </a:spcBef>
-              <a:spcAft>
-                <a:spcPts val="0"/>
-              </a:spcAft>
-              <a:buNone/>
-            </a:pPr>
-            <a:endParaRPr/>
+              <a:buNone/>
+            </a:pPr>
+            <a:endParaRPr dirty="0"/>
           </a:p>
         </p:txBody>
       </p:sp>
@@ -4010,7 +3277,7 @@
         </p:nvSpPr>
         <p:spPr>
           <a:xfrm>
-            <a:off x="381300" y="685800"/>
+            <a:off x="381000" y="685800"/>
             <a:ext cx="6096000" cy="3429000"/>
           </a:xfrm>
           <a:custGeom>
@@ -4078,374 +3345,7 @@
               <a:buFont typeface="Arial"/>
               <a:buNone/>
             </a:pPr>
-            <a:r>
-              <a:rPr lang="en-GB" sz="900">
-                <a:solidFill>
-                  <a:srgbClr val="1A1A1A"/>
-                </a:solidFill>
-                <a:latin typeface="Raleway"/>
-                <a:ea typeface="Raleway"/>
-                <a:cs typeface="Raleway"/>
-                <a:sym typeface="Raleway"/>
-              </a:rPr>
-              <a:t>The third architecture is Noisepage which has three main components, Workload Forecasting, Behavior Modeling and Action Planning</a:t>
-            </a:r>
-            <a:endParaRPr sz="900">
-              <a:solidFill>
-                <a:srgbClr val="1A1A1A"/>
-              </a:solidFill>
-              <a:latin typeface="Raleway"/>
-              <a:ea typeface="Raleway"/>
-              <a:cs typeface="Raleway"/>
-              <a:sym typeface="Raleway"/>
-            </a:endParaRPr>
-          </a:p>
-          <a:p>
-            <a:pPr marL="0" lvl="0" indent="0" algn="l" rtl="0">
-              <a:spcBef>
-                <a:spcPts val="0"/>
-              </a:spcBef>
-              <a:spcAft>
-                <a:spcPts val="0"/>
-              </a:spcAft>
-              <a:buClr>
-                <a:schemeClr val="dk1"/>
-              </a:buClr>
-              <a:buSzPts val="1100"/>
-              <a:buFont typeface="Arial"/>
-              <a:buNone/>
-            </a:pPr>
-            <a:endParaRPr sz="900">
-              <a:solidFill>
-                <a:srgbClr val="1A1A1A"/>
-              </a:solidFill>
-              <a:latin typeface="Raleway"/>
-              <a:ea typeface="Raleway"/>
-              <a:cs typeface="Raleway"/>
-              <a:sym typeface="Raleway"/>
-            </a:endParaRPr>
-          </a:p>
-          <a:p>
-            <a:pPr marL="0" lvl="0" indent="0" algn="l" rtl="0">
-              <a:spcBef>
-                <a:spcPts val="0"/>
-              </a:spcBef>
-              <a:spcAft>
-                <a:spcPts val="0"/>
-              </a:spcAft>
-              <a:buClr>
-                <a:schemeClr val="dk1"/>
-              </a:buClr>
-              <a:buSzPts val="1100"/>
-              <a:buFont typeface="Arial"/>
-              <a:buNone/>
-            </a:pPr>
-            <a:r>
-              <a:rPr lang="en-GB" sz="900">
-                <a:solidFill>
-                  <a:srgbClr val="1A1A1A"/>
-                </a:solidFill>
-                <a:latin typeface="Raleway"/>
-                <a:ea typeface="Raleway"/>
-                <a:cs typeface="Raleway"/>
-                <a:sym typeface="Raleway"/>
-              </a:rPr>
-              <a:t>： NoisePage use online workload forecast to predict future workloads based on the past data. When NoisePage receives the workload from the clients, it stores query arrival rates and parameter samples, then periodically sends those data to train and reinforce the forecast models.</a:t>
-            </a:r>
-            <a:endParaRPr sz="900">
-              <a:solidFill>
-                <a:srgbClr val="1A1A1A"/>
-              </a:solidFill>
-              <a:latin typeface="Raleway"/>
-              <a:ea typeface="Raleway"/>
-              <a:cs typeface="Raleway"/>
-              <a:sym typeface="Raleway"/>
-            </a:endParaRPr>
-          </a:p>
-          <a:p>
-            <a:pPr marL="0" lvl="0" indent="0" algn="l" rtl="0">
-              <a:spcBef>
-                <a:spcPts val="0"/>
-              </a:spcBef>
-              <a:spcAft>
-                <a:spcPts val="0"/>
-              </a:spcAft>
-              <a:buClr>
-                <a:schemeClr val="dk1"/>
-              </a:buClr>
-              <a:buSzPts val="1100"/>
-              <a:buFont typeface="Arial"/>
-              <a:buNone/>
-            </a:pPr>
-            <a:endParaRPr sz="900">
-              <a:solidFill>
-                <a:srgbClr val="1A1A1A"/>
-              </a:solidFill>
-              <a:latin typeface="Raleway"/>
-              <a:ea typeface="Raleway"/>
-              <a:cs typeface="Raleway"/>
-              <a:sym typeface="Raleway"/>
-            </a:endParaRPr>
-          </a:p>
-          <a:p>
-            <a:pPr marL="0" lvl="0" indent="0" algn="l" rtl="0">
-              <a:spcBef>
-                <a:spcPts val="0"/>
-              </a:spcBef>
-              <a:spcAft>
-                <a:spcPts val="0"/>
-              </a:spcAft>
-              <a:buNone/>
-            </a:pPr>
-            <a:r>
-              <a:rPr lang="en-GB" sz="900">
-                <a:solidFill>
-                  <a:srgbClr val="1A1A1A"/>
-                </a:solidFill>
-                <a:latin typeface="Raleway"/>
-                <a:ea typeface="Raleway"/>
-                <a:cs typeface="Raleway"/>
-                <a:sym typeface="Raleway"/>
-              </a:rPr>
-              <a:t>:  </a:t>
-            </a:r>
-            <a:endParaRPr sz="900">
-              <a:solidFill>
-                <a:srgbClr val="1A1A1A"/>
-              </a:solidFill>
-              <a:latin typeface="Raleway"/>
-              <a:ea typeface="Raleway"/>
-              <a:cs typeface="Raleway"/>
-              <a:sym typeface="Raleway"/>
-            </a:endParaRPr>
-          </a:p>
-          <a:p>
-            <a:pPr marL="0" lvl="0" indent="0" algn="l" rtl="0">
-              <a:spcBef>
-                <a:spcPts val="0"/>
-              </a:spcBef>
-              <a:spcAft>
-                <a:spcPts val="0"/>
-              </a:spcAft>
-              <a:buNone/>
-            </a:pPr>
-            <a:r>
-              <a:rPr lang="en-GB" sz="900">
-                <a:solidFill>
-                  <a:srgbClr val="1A1A1A"/>
-                </a:solidFill>
-                <a:latin typeface="Raleway"/>
-                <a:ea typeface="Raleway"/>
-                <a:cs typeface="Raleway"/>
-                <a:sym typeface="Raleway"/>
-              </a:rPr>
-              <a:t>For  behavior modeling, noise page uses modelbot2. Which will be introduced in the later section</a:t>
-            </a:r>
-            <a:endParaRPr sz="900">
-              <a:solidFill>
-                <a:srgbClr val="1A1A1A"/>
-              </a:solidFill>
-              <a:latin typeface="Raleway"/>
-              <a:ea typeface="Raleway"/>
-              <a:cs typeface="Raleway"/>
-              <a:sym typeface="Raleway"/>
-            </a:endParaRPr>
-          </a:p>
-          <a:p>
-            <a:pPr marL="0" lvl="0" indent="0" algn="l" rtl="0">
-              <a:spcBef>
-                <a:spcPts val="0"/>
-              </a:spcBef>
-              <a:spcAft>
-                <a:spcPts val="0"/>
-              </a:spcAft>
-              <a:buClr>
-                <a:schemeClr val="dk1"/>
-              </a:buClr>
-              <a:buSzPts val="1100"/>
-              <a:buFont typeface="Arial"/>
-              <a:buNone/>
-            </a:pPr>
-            <a:endParaRPr sz="900">
-              <a:solidFill>
-                <a:srgbClr val="1A1A1A"/>
-              </a:solidFill>
-              <a:latin typeface="Raleway"/>
-              <a:ea typeface="Raleway"/>
-              <a:cs typeface="Raleway"/>
-              <a:sym typeface="Raleway"/>
-            </a:endParaRPr>
-          </a:p>
-          <a:p>
-            <a:pPr marL="0" lvl="0" indent="0" algn="l" rtl="0">
-              <a:spcBef>
-                <a:spcPts val="0"/>
-              </a:spcBef>
-              <a:spcAft>
-                <a:spcPts val="0"/>
-              </a:spcAft>
-              <a:buNone/>
-            </a:pPr>
-            <a:endParaRPr sz="900">
-              <a:solidFill>
-                <a:srgbClr val="1A1A1A"/>
-              </a:solidFill>
-              <a:latin typeface="Raleway"/>
-              <a:ea typeface="Raleway"/>
-              <a:cs typeface="Raleway"/>
-              <a:sym typeface="Raleway"/>
-            </a:endParaRPr>
-          </a:p>
-          <a:p>
-            <a:pPr marL="0" lvl="0" indent="0" algn="l" rtl="0">
-              <a:spcBef>
-                <a:spcPts val="0"/>
-              </a:spcBef>
-              <a:spcAft>
-                <a:spcPts val="0"/>
-              </a:spcAft>
-              <a:buNone/>
-            </a:pPr>
-            <a:r>
-              <a:rPr lang="en-GB" sz="900">
-                <a:solidFill>
-                  <a:srgbClr val="1A1A1A"/>
-                </a:solidFill>
-                <a:latin typeface="Raleway"/>
-                <a:ea typeface="Raleway"/>
-                <a:cs typeface="Raleway"/>
-                <a:sym typeface="Raleway"/>
-              </a:rPr>
-              <a:t>: Action Planning is for deciding when to apply which actions to optimize the objective given the workload forecast and model estimation. </a:t>
-            </a:r>
-            <a:r>
-              <a:rPr lang="en-GB" sz="900">
-                <a:solidFill>
-                  <a:schemeClr val="dk1"/>
-                </a:solidFill>
-                <a:highlight>
-                  <a:srgbClr val="FFFFFF"/>
-                </a:highlight>
-              </a:rPr>
-              <a:t>NoisePage uses receding horizon control (RHC) together with Monte Carlo tree search (MCTS) to balance between planning cost and quality.</a:t>
-            </a:r>
-            <a:endParaRPr sz="900">
-              <a:solidFill>
-                <a:schemeClr val="dk1"/>
-              </a:solidFill>
-              <a:highlight>
-                <a:srgbClr val="FFFFFF"/>
-              </a:highlight>
-            </a:endParaRPr>
-          </a:p>
-          <a:p>
-            <a:pPr marL="0" lvl="0" indent="0" algn="l" rtl="0">
-              <a:spcBef>
-                <a:spcPts val="0"/>
-              </a:spcBef>
-              <a:spcAft>
-                <a:spcPts val="0"/>
-              </a:spcAft>
-              <a:buNone/>
-            </a:pPr>
-            <a:endParaRPr sz="900">
-              <a:solidFill>
-                <a:schemeClr val="dk1"/>
-              </a:solidFill>
-              <a:highlight>
-                <a:srgbClr val="FFFFFF"/>
-              </a:highlight>
-            </a:endParaRPr>
-          </a:p>
-          <a:p>
-            <a:pPr marL="0" lvl="0" indent="0" algn="l" rtl="0">
-              <a:spcBef>
-                <a:spcPts val="0"/>
-              </a:spcBef>
-              <a:spcAft>
-                <a:spcPts val="0"/>
-              </a:spcAft>
-              <a:buNone/>
-            </a:pPr>
-            <a:endParaRPr sz="1200">
-              <a:solidFill>
-                <a:srgbClr val="374151"/>
-              </a:solidFill>
-              <a:highlight>
-                <a:srgbClr val="F7F7F8"/>
-              </a:highlight>
-              <a:latin typeface="Roboto"/>
-              <a:ea typeface="Roboto"/>
-              <a:cs typeface="Roboto"/>
-              <a:sym typeface="Roboto"/>
-            </a:endParaRPr>
-          </a:p>
-          <a:p>
-            <a:pPr marL="0" lvl="0" indent="0" algn="l" rtl="0">
-              <a:spcBef>
-                <a:spcPts val="0"/>
-              </a:spcBef>
-              <a:spcAft>
-                <a:spcPts val="0"/>
-              </a:spcAft>
-              <a:buNone/>
-            </a:pPr>
-            <a:endParaRPr sz="1200">
-              <a:solidFill>
-                <a:srgbClr val="374151"/>
-              </a:solidFill>
-              <a:highlight>
-                <a:srgbClr val="F7F7F8"/>
-              </a:highlight>
-              <a:latin typeface="Roboto"/>
-              <a:ea typeface="Roboto"/>
-              <a:cs typeface="Roboto"/>
-              <a:sym typeface="Roboto"/>
-            </a:endParaRPr>
-          </a:p>
-          <a:p>
-            <a:pPr marL="0" lvl="0" indent="0" algn="l" rtl="0">
-              <a:spcBef>
-                <a:spcPts val="0"/>
-              </a:spcBef>
-              <a:spcAft>
-                <a:spcPts val="0"/>
-              </a:spcAft>
-              <a:buClr>
-                <a:schemeClr val="dk1"/>
-              </a:buClr>
-              <a:buSzPts val="1100"/>
-              <a:buFont typeface="Arial"/>
-              <a:buNone/>
-            </a:pPr>
-            <a:r>
-              <a:rPr lang="en-GB" sz="900">
-                <a:solidFill>
-                  <a:srgbClr val="1A1A1A"/>
-                </a:solidFill>
-                <a:latin typeface="Raleway"/>
-                <a:ea typeface="Raleway"/>
-                <a:cs typeface="Raleway"/>
-                <a:sym typeface="Raleway"/>
-              </a:rPr>
-              <a:t>Noise page will account for </a:t>
-            </a:r>
-            <a:r>
-              <a:rPr lang="en-GB" sz="1200">
-                <a:solidFill>
-                  <a:srgbClr val="374151"/>
-                </a:solidFill>
-                <a:highlight>
-                  <a:srgbClr val="F7F7F8"/>
-                </a:highlight>
-                <a:latin typeface="Roboto"/>
-                <a:ea typeface="Roboto"/>
-                <a:cs typeface="Roboto"/>
-                <a:sym typeface="Roboto"/>
-              </a:rPr>
-              <a:t>the current and future workloads, satisfy all system constraints (e.g., maximum memory consumption), and provide explanations for the past and future planned actions. </a:t>
-            </a:r>
-            <a:endParaRPr sz="1200">
+            <a:endParaRPr sz="1200" dirty="0">
               <a:solidFill>
                 <a:srgbClr val="374151"/>
               </a:solidFill>
